--- a/ppts/5054_w21_qp_12_mcq.pptx
+++ b/ppts/5054_w21_qp_12_mcq.pptx
@@ -3236,7 +3236,7 @@
         <p:spPr>
           <a:xfrm>
             <a:off x="365760" y="731520"/>
-            <a:ext cx="8229600" cy="3160800"/>
+            <a:ext cx="8229600" cy="3801600"/>
           </a:xfrm>
           <a:prstGeom prst="rect">
             <a:avLst/>
@@ -3313,7 +3313,7 @@
         <p:spPr>
           <a:xfrm>
             <a:off x="365760" y="731520"/>
-            <a:ext cx="7937171" cy="5943600"/>
+            <a:ext cx="7192861" cy="5943600"/>
           </a:xfrm>
           <a:prstGeom prst="rect">
             <a:avLst/>
@@ -3390,7 +3390,7 @@
         <p:spPr>
           <a:xfrm>
             <a:off x="365760" y="731520"/>
-            <a:ext cx="8229600" cy="4084564"/>
+            <a:ext cx="8229600" cy="4617811"/>
           </a:xfrm>
           <a:prstGeom prst="rect">
             <a:avLst/>
@@ -3467,7 +3467,7 @@
         <p:spPr>
           <a:xfrm>
             <a:off x="365760" y="731520"/>
-            <a:ext cx="8229600" cy="1973564"/>
+            <a:ext cx="8229600" cy="2490319"/>
           </a:xfrm>
           <a:prstGeom prst="rect">
             <a:avLst/>
@@ -3544,7 +3544,7 @@
         <p:spPr>
           <a:xfrm>
             <a:off x="365760" y="731520"/>
-            <a:ext cx="8229600" cy="3551082"/>
+            <a:ext cx="8229600" cy="4172184"/>
           </a:xfrm>
           <a:prstGeom prst="rect">
             <a:avLst/>
@@ -3621,7 +3621,7 @@
         <p:spPr>
           <a:xfrm>
             <a:off x="365760" y="731520"/>
-            <a:ext cx="8229600" cy="5179807"/>
+            <a:ext cx="8229600" cy="5730464"/>
           </a:xfrm>
           <a:prstGeom prst="rect">
             <a:avLst/>
@@ -3698,7 +3698,7 @@
         <p:spPr>
           <a:xfrm>
             <a:off x="365760" y="731520"/>
-            <a:ext cx="8229600" cy="1917267"/>
+            <a:ext cx="8229600" cy="2465058"/>
           </a:xfrm>
           <a:prstGeom prst="rect">
             <a:avLst/>
@@ -3775,7 +3775,7 @@
         <p:spPr>
           <a:xfrm>
             <a:off x="365760" y="731520"/>
-            <a:ext cx="8229600" cy="2660739"/>
+            <a:ext cx="8229600" cy="3150007"/>
           </a:xfrm>
           <a:prstGeom prst="rect">
             <a:avLst/>
@@ -3852,7 +3852,7 @@
         <p:spPr>
           <a:xfrm>
             <a:off x="365760" y="731520"/>
-            <a:ext cx="8229600" cy="4013098"/>
+            <a:ext cx="8229600" cy="4524355"/>
           </a:xfrm>
           <a:prstGeom prst="rect">
             <a:avLst/>
@@ -3929,7 +3929,7 @@
         <p:spPr>
           <a:xfrm>
             <a:off x="365760" y="731520"/>
-            <a:ext cx="8229600" cy="1968067"/>
+            <a:ext cx="8229600" cy="2512309"/>
           </a:xfrm>
           <a:prstGeom prst="rect">
             <a:avLst/>
@@ -4006,7 +4006,7 @@
         <p:spPr>
           <a:xfrm>
             <a:off x="365760" y="731520"/>
-            <a:ext cx="8229600" cy="3485275"/>
+            <a:ext cx="8229600" cy="4034678"/>
           </a:xfrm>
           <a:prstGeom prst="rect">
             <a:avLst/>
@@ -4083,7 +4083,7 @@
         <p:spPr>
           <a:xfrm>
             <a:off x="365760" y="731520"/>
-            <a:ext cx="8229600" cy="5399036"/>
+            <a:ext cx="8075295" cy="5943600"/>
           </a:xfrm>
           <a:prstGeom prst="rect">
             <a:avLst/>
@@ -4160,7 +4160,7 @@
         <p:spPr>
           <a:xfrm>
             <a:off x="365760" y="731520"/>
-            <a:ext cx="8229600" cy="3226970"/>
+            <a:ext cx="8229600" cy="3760218"/>
           </a:xfrm>
           <a:prstGeom prst="rect">
             <a:avLst/>
@@ -4237,7 +4237,7 @@
         <p:spPr>
           <a:xfrm>
             <a:off x="365760" y="731520"/>
-            <a:ext cx="8208089" cy="5943600"/>
+            <a:ext cx="7565960" cy="5943600"/>
           </a:xfrm>
           <a:prstGeom prst="rect">
             <a:avLst/>
@@ -4314,7 +4314,7 @@
         <p:spPr>
           <a:xfrm>
             <a:off x="365760" y="731520"/>
-            <a:ext cx="8229600" cy="3008845"/>
+            <a:ext cx="8229600" cy="3716331"/>
           </a:xfrm>
           <a:prstGeom prst="rect">
             <a:avLst/>
@@ -4391,7 +4391,7 @@
         <p:spPr>
           <a:xfrm>
             <a:off x="365760" y="731520"/>
-            <a:ext cx="7832425" cy="5943600"/>
+            <a:ext cx="7022471" cy="5943600"/>
           </a:xfrm>
           <a:prstGeom prst="rect">
             <a:avLst/>
@@ -4468,7 +4468,7 @@
         <p:spPr>
           <a:xfrm>
             <a:off x="365760" y="731520"/>
-            <a:ext cx="8229600" cy="4963885"/>
+            <a:ext cx="8229600" cy="5589527"/>
           </a:xfrm>
           <a:prstGeom prst="rect">
             <a:avLst/>
@@ -4545,7 +4545,7 @@
         <p:spPr>
           <a:xfrm>
             <a:off x="365760" y="731520"/>
-            <a:ext cx="8229600" cy="3022557"/>
+            <a:ext cx="8229600" cy="3627069"/>
           </a:xfrm>
           <a:prstGeom prst="rect">
             <a:avLst/>
@@ -4622,7 +4622,7 @@
         <p:spPr>
           <a:xfrm>
             <a:off x="365760" y="731520"/>
-            <a:ext cx="8229600" cy="5683123"/>
+            <a:ext cx="7844926" cy="5943600"/>
           </a:xfrm>
           <a:prstGeom prst="rect">
             <a:avLst/>
@@ -4699,7 +4699,7 @@
         <p:spPr>
           <a:xfrm>
             <a:off x="365760" y="731520"/>
-            <a:ext cx="8229600" cy="1797648"/>
+            <a:ext cx="8229600" cy="2319900"/>
           </a:xfrm>
           <a:prstGeom prst="rect">
             <a:avLst/>
@@ -4776,7 +4776,7 @@
         <p:spPr>
           <a:xfrm>
             <a:off x="365760" y="731520"/>
-            <a:ext cx="8229600" cy="2973585"/>
+            <a:ext cx="8229600" cy="3672780"/>
           </a:xfrm>
           <a:prstGeom prst="rect">
             <a:avLst/>
@@ -4853,7 +4853,7 @@
         <p:spPr>
           <a:xfrm>
             <a:off x="365760" y="731520"/>
-            <a:ext cx="8229600" cy="3453914"/>
+            <a:ext cx="8229600" cy="4154138"/>
           </a:xfrm>
           <a:prstGeom prst="rect">
             <a:avLst/>
@@ -4930,7 +4930,7 @@
         <p:spPr>
           <a:xfrm>
             <a:off x="365760" y="731520"/>
-            <a:ext cx="6996650" cy="5943600"/>
+            <a:ext cx="6373186" cy="5943600"/>
           </a:xfrm>
           <a:prstGeom prst="rect">
             <a:avLst/>
@@ -5007,7 +5007,7 @@
         <p:spPr>
           <a:xfrm>
             <a:off x="365760" y="731520"/>
-            <a:ext cx="8229600" cy="4925337"/>
+            <a:ext cx="8229600" cy="5515384"/>
           </a:xfrm>
           <a:prstGeom prst="rect">
             <a:avLst/>
@@ -5084,7 +5084,7 @@
         <p:spPr>
           <a:xfrm>
             <a:off x="365760" y="731520"/>
-            <a:ext cx="8229600" cy="4529853"/>
+            <a:ext cx="8229600" cy="5101582"/>
           </a:xfrm>
           <a:prstGeom prst="rect">
             <a:avLst/>
@@ -5161,7 +5161,7 @@
         <p:spPr>
           <a:xfrm>
             <a:off x="365760" y="731520"/>
-            <a:ext cx="8189486" cy="5943600"/>
+            <a:ext cx="7494575" cy="5943600"/>
           </a:xfrm>
           <a:prstGeom prst="rect">
             <a:avLst/>
@@ -5238,7 +5238,7 @@
         <p:spPr>
           <a:xfrm>
             <a:off x="365760" y="731520"/>
-            <a:ext cx="8229600" cy="4002274"/>
+            <a:ext cx="8229600" cy="4561862"/>
           </a:xfrm>
           <a:prstGeom prst="rect">
             <a:avLst/>
@@ -5315,7 +5315,7 @@
         <p:spPr>
           <a:xfrm>
             <a:off x="365760" y="731520"/>
-            <a:ext cx="8229600" cy="5706295"/>
+            <a:ext cx="7811737" cy="5943600"/>
           </a:xfrm>
           <a:prstGeom prst="rect">
             <a:avLst/>
@@ -5392,7 +5392,7 @@
         <p:spPr>
           <a:xfrm>
             <a:off x="365760" y="731520"/>
-            <a:ext cx="8229600" cy="5508389"/>
+            <a:ext cx="8110819" cy="5943600"/>
           </a:xfrm>
           <a:prstGeom prst="rect">
             <a:avLst/>
@@ -5469,7 +5469,7 @@
         <p:spPr>
           <a:xfrm>
             <a:off x="365760" y="731520"/>
-            <a:ext cx="8229600" cy="4265978"/>
+            <a:ext cx="8229600" cy="4771738"/>
           </a:xfrm>
           <a:prstGeom prst="rect">
             <a:avLst/>
@@ -5546,7 +5546,7 @@
         <p:spPr>
           <a:xfrm>
             <a:off x="365760" y="731520"/>
-            <a:ext cx="8229600" cy="2224216"/>
+            <a:ext cx="8229600" cy="2747207"/>
           </a:xfrm>
           <a:prstGeom prst="rect">
             <a:avLst/>
@@ -5623,7 +5623,7 @@
         <p:spPr>
           <a:xfrm>
             <a:off x="365760" y="731520"/>
-            <a:ext cx="8229600" cy="3325090"/>
+            <a:ext cx="8229600" cy="3990109"/>
           </a:xfrm>
           <a:prstGeom prst="rect">
             <a:avLst/>
@@ -5700,7 +5700,7 @@
         <p:spPr>
           <a:xfrm>
             <a:off x="365760" y="731520"/>
-            <a:ext cx="7559397" cy="5943600"/>
+            <a:ext cx="6772411" cy="5943600"/>
           </a:xfrm>
           <a:prstGeom prst="rect">
             <a:avLst/>
@@ -5777,7 +5777,7 @@
         <p:spPr>
           <a:xfrm>
             <a:off x="365760" y="731520"/>
-            <a:ext cx="7695759" cy="5943600"/>
+            <a:ext cx="6792685" cy="5943600"/>
           </a:xfrm>
           <a:prstGeom prst="rect">
             <a:avLst/>
@@ -5854,7 +5854,7 @@
         <p:spPr>
           <a:xfrm>
             <a:off x="365760" y="731520"/>
-            <a:ext cx="8229600" cy="3062048"/>
+            <a:ext cx="8229600" cy="3562311"/>
           </a:xfrm>
           <a:prstGeom prst="rect">
             <a:avLst/>
@@ -5931,7 +5931,7 @@
         <p:spPr>
           <a:xfrm>
             <a:off x="365760" y="731520"/>
-            <a:ext cx="8229600" cy="5101582"/>
+            <a:ext cx="8229600" cy="5612840"/>
           </a:xfrm>
           <a:prstGeom prst="rect">
             <a:avLst/>
@@ -6008,7 +6008,7 @@
         <p:spPr>
           <a:xfrm>
             <a:off x="365760" y="731520"/>
-            <a:ext cx="8229600" cy="3825400"/>
+            <a:ext cx="8229600" cy="4417505"/>
           </a:xfrm>
           <a:prstGeom prst="rect">
             <a:avLst/>
@@ -6085,7 +6085,7 @@
         <p:spPr>
           <a:xfrm>
             <a:off x="365760" y="731520"/>
-            <a:ext cx="8229600" cy="3343900"/>
+            <a:ext cx="8229600" cy="3951275"/>
           </a:xfrm>
           <a:prstGeom prst="rect">
             <a:avLst/>
@@ -6162,7 +6162,7 @@
         <p:spPr>
           <a:xfrm>
             <a:off x="365760" y="731520"/>
-            <a:ext cx="8229600" cy="5620214"/>
+            <a:ext cx="7810500" cy="5943600"/>
           </a:xfrm>
           <a:prstGeom prst="rect">
             <a:avLst/>
@@ -6239,7 +6239,7 @@
         <p:spPr>
           <a:xfrm>
             <a:off x="365760" y="731520"/>
-            <a:ext cx="8229600" cy="3478369"/>
+            <a:ext cx="8229600" cy="3994552"/>
           </a:xfrm>
           <a:prstGeom prst="rect">
             <a:avLst/>

--- a/ppts/5054_w21_qp_12_mcq.pptx
+++ b/ppts/5054_w21_qp_12_mcq.pptx
@@ -3236,7 +3236,7 @@
         <p:spPr>
           <a:xfrm>
             <a:off x="365760" y="731520"/>
-            <a:ext cx="8229600" cy="3801600"/>
+            <a:ext cx="8229600" cy="2522183"/>
           </a:xfrm>
           <a:prstGeom prst="rect">
             <a:avLst/>
@@ -3313,7 +3313,7 @@
         <p:spPr>
           <a:xfrm>
             <a:off x="365760" y="731520"/>
-            <a:ext cx="7192861" cy="5943600"/>
+            <a:ext cx="8193406" cy="5943600"/>
           </a:xfrm>
           <a:prstGeom prst="rect">
             <a:avLst/>
@@ -3390,7 +3390,7 @@
         <p:spPr>
           <a:xfrm>
             <a:off x="365760" y="731520"/>
-            <a:ext cx="8229600" cy="4617811"/>
+            <a:ext cx="8229600" cy="3802455"/>
           </a:xfrm>
           <a:prstGeom prst="rect">
             <a:avLst/>
@@ -3467,7 +3467,7 @@
         <p:spPr>
           <a:xfrm>
             <a:off x="365760" y="731520"/>
-            <a:ext cx="8229600" cy="2490319"/>
+            <a:ext cx="8229600" cy="1700240"/>
           </a:xfrm>
           <a:prstGeom prst="rect">
             <a:avLst/>
@@ -3544,7 +3544,7 @@
         <p:spPr>
           <a:xfrm>
             <a:off x="365760" y="731520"/>
-            <a:ext cx="8229600" cy="4172184"/>
+            <a:ext cx="8229600" cy="2896722"/>
           </a:xfrm>
           <a:prstGeom prst="rect">
             <a:avLst/>
@@ -3621,7 +3621,7 @@
         <p:spPr>
           <a:xfrm>
             <a:off x="365760" y="731520"/>
-            <a:ext cx="8229600" cy="5730464"/>
+            <a:ext cx="8229600" cy="4351095"/>
           </a:xfrm>
           <a:prstGeom prst="rect">
             <a:avLst/>
@@ -3698,7 +3698,7 @@
         <p:spPr>
           <a:xfrm>
             <a:off x="365760" y="731520"/>
-            <a:ext cx="8229600" cy="2465058"/>
+            <a:ext cx="8229600" cy="1811081"/>
           </a:xfrm>
           <a:prstGeom prst="rect">
             <a:avLst/>
@@ -3775,7 +3775,7 @@
         <p:spPr>
           <a:xfrm>
             <a:off x="365760" y="731520"/>
-            <a:ext cx="8229600" cy="3150007"/>
+            <a:ext cx="8229600" cy="2319497"/>
           </a:xfrm>
           <a:prstGeom prst="rect">
             <a:avLst/>
@@ -3852,7 +3852,7 @@
         <p:spPr>
           <a:xfrm>
             <a:off x="365760" y="731520"/>
-            <a:ext cx="8229600" cy="4524355"/>
+            <a:ext cx="8229600" cy="3677517"/>
           </a:xfrm>
           <a:prstGeom prst="rect">
             <a:avLst/>
@@ -3929,7 +3929,7 @@
         <p:spPr>
           <a:xfrm>
             <a:off x="365760" y="731520"/>
-            <a:ext cx="8229600" cy="2512309"/>
+            <a:ext cx="8229600" cy="1727401"/>
           </a:xfrm>
           <a:prstGeom prst="rect">
             <a:avLst/>
@@ -4006,7 +4006,7 @@
         <p:spPr>
           <a:xfrm>
             <a:off x="365760" y="731520"/>
-            <a:ext cx="8229600" cy="4034678"/>
+            <a:ext cx="8229600" cy="3069124"/>
           </a:xfrm>
           <a:prstGeom prst="rect">
             <a:avLst/>
@@ -4083,7 +4083,7 @@
         <p:spPr>
           <a:xfrm>
             <a:off x="365760" y="731520"/>
-            <a:ext cx="8075295" cy="5943600"/>
+            <a:ext cx="8229600" cy="4888871"/>
           </a:xfrm>
           <a:prstGeom prst="rect">
             <a:avLst/>
@@ -4160,7 +4160,7 @@
         <p:spPr>
           <a:xfrm>
             <a:off x="365760" y="731520"/>
-            <a:ext cx="8229600" cy="3760218"/>
+            <a:ext cx="8229600" cy="2922458"/>
           </a:xfrm>
           <a:prstGeom prst="rect">
             <a:avLst/>
@@ -4237,7 +4237,7 @@
         <p:spPr>
           <a:xfrm>
             <a:off x="365760" y="731520"/>
-            <a:ext cx="7565960" cy="5943600"/>
+            <a:ext cx="8229600" cy="5627634"/>
           </a:xfrm>
           <a:prstGeom prst="rect">
             <a:avLst/>
@@ -4314,7 +4314,7 @@
         <p:spPr>
           <a:xfrm>
             <a:off x="365760" y="731520"/>
-            <a:ext cx="8229600" cy="3716331"/>
+            <a:ext cx="8229600" cy="2361924"/>
           </a:xfrm>
           <a:prstGeom prst="rect">
             <a:avLst/>
@@ -4391,7 +4391,7 @@
         <p:spPr>
           <a:xfrm>
             <a:off x="365760" y="731520"/>
-            <a:ext cx="7022471" cy="5943600"/>
+            <a:ext cx="8229600" cy="5366824"/>
           </a:xfrm>
           <a:prstGeom prst="rect">
             <a:avLst/>
@@ -4468,7 +4468,7 @@
         <p:spPr>
           <a:xfrm>
             <a:off x="365760" y="731520"/>
-            <a:ext cx="8229600" cy="5589527"/>
+            <a:ext cx="8229600" cy="4406142"/>
           </a:xfrm>
           <a:prstGeom prst="rect">
             <a:avLst/>
@@ -4545,7 +4545,7 @@
         <p:spPr>
           <a:xfrm>
             <a:off x="365760" y="731520"/>
-            <a:ext cx="8229600" cy="3627069"/>
+            <a:ext cx="8229600" cy="2397210"/>
           </a:xfrm>
           <a:prstGeom prst="rect">
             <a:avLst/>
@@ -4622,7 +4622,7 @@
         <p:spPr>
           <a:xfrm>
             <a:off x="365760" y="731520"/>
-            <a:ext cx="7844926" cy="5943600"/>
+            <a:ext cx="8229600" cy="5421215"/>
           </a:xfrm>
           <a:prstGeom prst="rect">
             <a:avLst/>
@@ -4699,7 +4699,7 @@
         <p:spPr>
           <a:xfrm>
             <a:off x="365760" y="731520"/>
-            <a:ext cx="8229600" cy="2319900"/>
+            <a:ext cx="8229600" cy="1537278"/>
           </a:xfrm>
           <a:prstGeom prst="rect">
             <a:avLst/>
@@ -4776,7 +4776,7 @@
         <p:spPr>
           <a:xfrm>
             <a:off x="365760" y="731520"/>
-            <a:ext cx="8229600" cy="3672780"/>
+            <a:ext cx="8229600" cy="2330376"/>
           </a:xfrm>
           <a:prstGeom prst="rect">
             <a:avLst/>
@@ -4853,7 +4853,7 @@
         <p:spPr>
           <a:xfrm>
             <a:off x="365760" y="731520"/>
-            <a:ext cx="8229600" cy="4154138"/>
+            <a:ext cx="8229600" cy="2779012"/>
           </a:xfrm>
           <a:prstGeom prst="rect">
             <a:avLst/>
@@ -4930,7 +4930,7 @@
         <p:spPr>
           <a:xfrm>
             <a:off x="365760" y="731520"/>
-            <a:ext cx="6373186" cy="5943600"/>
+            <a:ext cx="8072650" cy="5943600"/>
           </a:xfrm>
           <a:prstGeom prst="rect">
             <a:avLst/>
@@ -5007,7 +5007,7 @@
         <p:spPr>
           <a:xfrm>
             <a:off x="365760" y="731520"/>
-            <a:ext cx="8229600" cy="5515384"/>
+            <a:ext cx="8229600" cy="4198288"/>
           </a:xfrm>
           <a:prstGeom prst="rect">
             <a:avLst/>
@@ -5084,7 +5084,7 @@
         <p:spPr>
           <a:xfrm>
             <a:off x="365760" y="731520"/>
-            <a:ext cx="8229600" cy="5101582"/>
+            <a:ext cx="8229600" cy="4242453"/>
           </a:xfrm>
           <a:prstGeom prst="rect">
             <a:avLst/>
@@ -5161,7 +5161,7 @@
         <p:spPr>
           <a:xfrm>
             <a:off x="365760" y="731520"/>
-            <a:ext cx="7494575" cy="5943600"/>
+            <a:ext cx="8229600" cy="5089858"/>
           </a:xfrm>
           <a:prstGeom prst="rect">
             <a:avLst/>
@@ -5238,7 +5238,7 @@
         <p:spPr>
           <a:xfrm>
             <a:off x="365760" y="731520"/>
-            <a:ext cx="8229600" cy="4561862"/>
+            <a:ext cx="8229600" cy="3280975"/>
           </a:xfrm>
           <a:prstGeom prst="rect">
             <a:avLst/>
@@ -5315,7 +5315,7 @@
         <p:spPr>
           <a:xfrm>
             <a:off x="365760" y="731520"/>
-            <a:ext cx="7811737" cy="5943600"/>
+            <a:ext cx="8229600" cy="5394054"/>
           </a:xfrm>
           <a:prstGeom prst="rect">
             <a:avLst/>
@@ -5392,7 +5392,7 @@
         <p:spPr>
           <a:xfrm>
             <a:off x="365760" y="731520"/>
-            <a:ext cx="8110819" cy="5943600"/>
+            <a:ext cx="8229600" cy="5165907"/>
           </a:xfrm>
           <a:prstGeom prst="rect">
             <a:avLst/>
@@ -5469,7 +5469,7 @@
         <p:spPr>
           <a:xfrm>
             <a:off x="365760" y="731520"/>
-            <a:ext cx="8229600" cy="4771738"/>
+            <a:ext cx="8229600" cy="3954553"/>
           </a:xfrm>
           <a:prstGeom prst="rect">
             <a:avLst/>
@@ -5546,7 +5546,7 @@
         <p:spPr>
           <a:xfrm>
             <a:off x="365760" y="731520"/>
-            <a:ext cx="8229600" cy="2747207"/>
+            <a:ext cx="8229600" cy="1727401"/>
           </a:xfrm>
           <a:prstGeom prst="rect">
             <a:avLst/>
@@ -5623,7 +5623,7 @@
         <p:spPr>
           <a:xfrm>
             <a:off x="365760" y="731520"/>
-            <a:ext cx="8229600" cy="3990109"/>
+            <a:ext cx="8229600" cy="2658688"/>
           </a:xfrm>
           <a:prstGeom prst="rect">
             <a:avLst/>
@@ -5700,7 +5700,7 @@
         <p:spPr>
           <a:xfrm>
             <a:off x="365760" y="731520"/>
-            <a:ext cx="6772411" cy="5943600"/>
+            <a:ext cx="8229600" cy="5635352"/>
           </a:xfrm>
           <a:prstGeom prst="rect">
             <a:avLst/>
@@ -5777,7 +5777,7 @@
         <p:spPr>
           <a:xfrm>
             <a:off x="365760" y="731520"/>
-            <a:ext cx="6792685" cy="5943600"/>
+            <a:ext cx="8229600" cy="5474958"/>
           </a:xfrm>
           <a:prstGeom prst="rect">
             <a:avLst/>
@@ -5854,7 +5854,7 @@
         <p:spPr>
           <a:xfrm>
             <a:off x="365760" y="731520"/>
-            <a:ext cx="8229600" cy="3562311"/>
+            <a:ext cx="8229600" cy="2531348"/>
           </a:xfrm>
           <a:prstGeom prst="rect">
             <a:avLst/>
@@ -5931,7 +5931,7 @@
         <p:spPr>
           <a:xfrm>
             <a:off x="365760" y="731520"/>
-            <a:ext cx="8229600" cy="5612840"/>
+            <a:ext cx="8229600" cy="4785661"/>
           </a:xfrm>
           <a:prstGeom prst="rect">
             <a:avLst/>
@@ -6008,7 +6008,7 @@
         <p:spPr>
           <a:xfrm>
             <a:off x="365760" y="731520"/>
-            <a:ext cx="8229600" cy="4417505"/>
+            <a:ext cx="8229600" cy="3059236"/>
           </a:xfrm>
           <a:prstGeom prst="rect">
             <a:avLst/>
@@ -6085,7 +6085,7 @@
         <p:spPr>
           <a:xfrm>
             <a:off x="365760" y="731520"/>
-            <a:ext cx="8229600" cy="3951275"/>
+            <a:ext cx="8229600" cy="2868979"/>
           </a:xfrm>
           <a:prstGeom prst="rect">
             <a:avLst/>
@@ -6162,7 +6162,7 @@
         <p:spPr>
           <a:xfrm>
             <a:off x="365760" y="731520"/>
-            <a:ext cx="7810500" cy="5943600"/>
+            <a:ext cx="8229600" cy="4787584"/>
           </a:xfrm>
           <a:prstGeom prst="rect">
             <a:avLst/>
@@ -6239,7 +6239,7 @@
         <p:spPr>
           <a:xfrm>
             <a:off x="365760" y="731520"/>
-            <a:ext cx="8229600" cy="3994552"/>
+            <a:ext cx="8229600" cy="1219638"/>
           </a:xfrm>
           <a:prstGeom prst="rect">
             <a:avLst/>

--- a/ppts/5054_w21_qp_12_mcq.pptx
+++ b/ppts/5054_w21_qp_12_mcq.pptx
@@ -3236,7 +3236,7 @@
         <p:spPr>
           <a:xfrm>
             <a:off x="365760" y="731520"/>
-            <a:ext cx="8229600" cy="2522183"/>
+            <a:ext cx="8229600" cy="4010792"/>
           </a:xfrm>
           <a:prstGeom prst="rect">
             <a:avLst/>
@@ -3313,7 +3313,7 @@
         <p:spPr>
           <a:xfrm>
             <a:off x="365760" y="731520"/>
-            <a:ext cx="8193406" cy="5943600"/>
+            <a:ext cx="8068596" cy="5943600"/>
           </a:xfrm>
           <a:prstGeom prst="rect">
             <a:avLst/>
@@ -3390,7 +3390,7 @@
         <p:spPr>
           <a:xfrm>
             <a:off x="365760" y="731520"/>
-            <a:ext cx="8229600" cy="3802455"/>
+            <a:ext cx="4298116" cy="5943600"/>
           </a:xfrm>
           <a:prstGeom prst="rect">
             <a:avLst/>
@@ -3467,7 +3467,7 @@
         <p:spPr>
           <a:xfrm>
             <a:off x="365760" y="731520"/>
-            <a:ext cx="8229600" cy="1700240"/>
+            <a:ext cx="8229600" cy="1808882"/>
           </a:xfrm>
           <a:prstGeom prst="rect">
             <a:avLst/>
@@ -3544,7 +3544,7 @@
         <p:spPr>
           <a:xfrm>
             <a:off x="365760" y="731520"/>
-            <a:ext cx="8229600" cy="2896722"/>
+            <a:ext cx="8229600" cy="3017924"/>
           </a:xfrm>
           <a:prstGeom prst="rect">
             <a:avLst/>
@@ -3621,7 +3621,7 @@
         <p:spPr>
           <a:xfrm>
             <a:off x="365760" y="731520"/>
-            <a:ext cx="8229600" cy="4351095"/>
+            <a:ext cx="8229600" cy="4492329"/>
           </a:xfrm>
           <a:prstGeom prst="rect">
             <a:avLst/>
@@ -3698,7 +3698,7 @@
         <p:spPr>
           <a:xfrm>
             <a:off x="365760" y="731520"/>
-            <a:ext cx="8229600" cy="1811081"/>
+            <a:ext cx="8229600" cy="1833862"/>
           </a:xfrm>
           <a:prstGeom prst="rect">
             <a:avLst/>
@@ -3775,7 +3775,7 @@
         <p:spPr>
           <a:xfrm>
             <a:off x="365760" y="731520"/>
-            <a:ext cx="8229600" cy="2319497"/>
+            <a:ext cx="8229600" cy="2460731"/>
           </a:xfrm>
           <a:prstGeom prst="rect">
             <a:avLst/>
@@ -3852,7 +3852,7 @@
         <p:spPr>
           <a:xfrm>
             <a:off x="365760" y="731520"/>
-            <a:ext cx="8229600" cy="3677517"/>
+            <a:ext cx="8229600" cy="3818751"/>
           </a:xfrm>
           <a:prstGeom prst="rect">
             <a:avLst/>
@@ -3929,7 +3929,7 @@
         <p:spPr>
           <a:xfrm>
             <a:off x="365760" y="731520"/>
-            <a:ext cx="8229600" cy="1727401"/>
+            <a:ext cx="8229600" cy="4552082"/>
           </a:xfrm>
           <a:prstGeom prst="rect">
             <a:avLst/>
@@ -4006,7 +4006,7 @@
         <p:spPr>
           <a:xfrm>
             <a:off x="365760" y="731520"/>
-            <a:ext cx="8229600" cy="3069124"/>
+            <a:ext cx="8229600" cy="3177766"/>
           </a:xfrm>
           <a:prstGeom prst="rect">
             <a:avLst/>
@@ -4083,7 +4083,7 @@
         <p:spPr>
           <a:xfrm>
             <a:off x="365760" y="731520"/>
-            <a:ext cx="8229600" cy="4888871"/>
+            <a:ext cx="8229600" cy="4992080"/>
           </a:xfrm>
           <a:prstGeom prst="rect">
             <a:avLst/>
@@ -4160,7 +4160,7 @@
         <p:spPr>
           <a:xfrm>
             <a:off x="365760" y="731520"/>
-            <a:ext cx="8229600" cy="2922458"/>
+            <a:ext cx="8229600" cy="5915534"/>
           </a:xfrm>
           <a:prstGeom prst="rect">
             <a:avLst/>
@@ -4237,7 +4237,7 @@
         <p:spPr>
           <a:xfrm>
             <a:off x="365760" y="731520"/>
-            <a:ext cx="8229600" cy="5627634"/>
+            <a:ext cx="8229600" cy="5736275"/>
           </a:xfrm>
           <a:prstGeom prst="rect">
             <a:avLst/>
@@ -4314,7 +4314,7 @@
         <p:spPr>
           <a:xfrm>
             <a:off x="365760" y="731520"/>
-            <a:ext cx="8229600" cy="2361924"/>
+            <a:ext cx="6917551" cy="5943600"/>
           </a:xfrm>
           <a:prstGeom prst="rect">
             <a:avLst/>
@@ -4391,7 +4391,7 @@
         <p:spPr>
           <a:xfrm>
             <a:off x="365760" y="731520"/>
-            <a:ext cx="8229600" cy="5366824"/>
+            <a:ext cx="8229600" cy="5549704"/>
           </a:xfrm>
           <a:prstGeom prst="rect">
             <a:avLst/>
@@ -4468,7 +4468,7 @@
         <p:spPr>
           <a:xfrm>
             <a:off x="365760" y="731520"/>
-            <a:ext cx="8229600" cy="4406142"/>
+            <a:ext cx="8229600" cy="4537082"/>
           </a:xfrm>
           <a:prstGeom prst="rect">
             <a:avLst/>
@@ -4545,7 +4545,7 @@
         <p:spPr>
           <a:xfrm>
             <a:off x="365760" y="731520"/>
-            <a:ext cx="8229600" cy="2397210"/>
+            <a:ext cx="8229600" cy="3163329"/>
           </a:xfrm>
           <a:prstGeom prst="rect">
             <a:avLst/>
@@ -4622,7 +4622,7 @@
         <p:spPr>
           <a:xfrm>
             <a:off x="365760" y="731520"/>
-            <a:ext cx="8229600" cy="5421215"/>
+            <a:ext cx="8229600" cy="5540720"/>
           </a:xfrm>
           <a:prstGeom prst="rect">
             <a:avLst/>
@@ -4699,7 +4699,7 @@
         <p:spPr>
           <a:xfrm>
             <a:off x="365760" y="731520"/>
-            <a:ext cx="8229600" cy="1537278"/>
+            <a:ext cx="8229600" cy="1640487"/>
           </a:xfrm>
           <a:prstGeom prst="rect">
             <a:avLst/>
@@ -4776,7 +4776,7 @@
         <p:spPr>
           <a:xfrm>
             <a:off x="365760" y="731520"/>
-            <a:ext cx="8229600" cy="2330376"/>
+            <a:ext cx="8229600" cy="4917240"/>
           </a:xfrm>
           <a:prstGeom prst="rect">
             <a:avLst/>
@@ -4853,7 +4853,7 @@
         <p:spPr>
           <a:xfrm>
             <a:off x="365760" y="731520"/>
-            <a:ext cx="8229600" cy="2779012"/>
+            <a:ext cx="8229600" cy="2915097"/>
           </a:xfrm>
           <a:prstGeom prst="rect">
             <a:avLst/>
@@ -4930,7 +4930,7 @@
         <p:spPr>
           <a:xfrm>
             <a:off x="365760" y="731520"/>
-            <a:ext cx="8072650" cy="5943600"/>
+            <a:ext cx="7900313" cy="5943600"/>
           </a:xfrm>
           <a:prstGeom prst="rect">
             <a:avLst/>
@@ -5007,7 +5007,7 @@
         <p:spPr>
           <a:xfrm>
             <a:off x="365760" y="731520"/>
-            <a:ext cx="8229600" cy="4198288"/>
+            <a:ext cx="6836734" cy="5943600"/>
           </a:xfrm>
           <a:prstGeom prst="rect">
             <a:avLst/>
@@ -5084,7 +5084,7 @@
         <p:spPr>
           <a:xfrm>
             <a:off x="365760" y="731520"/>
-            <a:ext cx="8229600" cy="4242453"/>
+            <a:ext cx="8229600" cy="4383687"/>
           </a:xfrm>
           <a:prstGeom prst="rect">
             <a:avLst/>
@@ -5161,7 +5161,7 @@
         <p:spPr>
           <a:xfrm>
             <a:off x="365760" y="731520"/>
-            <a:ext cx="8229600" cy="5089858"/>
+            <a:ext cx="7497547" cy="5943600"/>
           </a:xfrm>
           <a:prstGeom prst="rect">
             <a:avLst/>
@@ -5238,7 +5238,7 @@
         <p:spPr>
           <a:xfrm>
             <a:off x="365760" y="731520"/>
-            <a:ext cx="8229600" cy="3280975"/>
+            <a:ext cx="8229600" cy="3422209"/>
           </a:xfrm>
           <a:prstGeom prst="rect">
             <a:avLst/>
@@ -5315,7 +5315,7 @@
         <p:spPr>
           <a:xfrm>
             <a:off x="365760" y="731520"/>
-            <a:ext cx="8229600" cy="5394054"/>
+            <a:ext cx="6534509" cy="5943600"/>
           </a:xfrm>
           <a:prstGeom prst="rect">
             <a:avLst/>
@@ -5392,7 +5392,7 @@
         <p:spPr>
           <a:xfrm>
             <a:off x="365760" y="731520"/>
-            <a:ext cx="8229600" cy="5165907"/>
+            <a:ext cx="8229600" cy="5301709"/>
           </a:xfrm>
           <a:prstGeom prst="rect">
             <a:avLst/>
@@ -5469,7 +5469,7 @@
         <p:spPr>
           <a:xfrm>
             <a:off x="365760" y="731520"/>
-            <a:ext cx="8229600" cy="3954553"/>
+            <a:ext cx="8229600" cy="5605905"/>
           </a:xfrm>
           <a:prstGeom prst="rect">
             <a:avLst/>
@@ -5546,7 +5546,7 @@
         <p:spPr>
           <a:xfrm>
             <a:off x="365760" y="731520"/>
-            <a:ext cx="8229600" cy="1727401"/>
+            <a:ext cx="8229600" cy="1830610"/>
           </a:xfrm>
           <a:prstGeom prst="rect">
             <a:avLst/>
@@ -5623,7 +5623,7 @@
         <p:spPr>
           <a:xfrm>
             <a:off x="365760" y="731520"/>
-            <a:ext cx="8229600" cy="2658688"/>
+            <a:ext cx="8229600" cy="2788881"/>
           </a:xfrm>
           <a:prstGeom prst="rect">
             <a:avLst/>
@@ -5700,7 +5700,7 @@
         <p:spPr>
           <a:xfrm>
             <a:off x="365760" y="731520"/>
-            <a:ext cx="8229600" cy="5635352"/>
+            <a:ext cx="7367216" cy="5943600"/>
           </a:xfrm>
           <a:prstGeom prst="rect">
             <a:avLst/>
@@ -5777,7 +5777,7 @@
         <p:spPr>
           <a:xfrm>
             <a:off x="365760" y="731520"/>
-            <a:ext cx="8229600" cy="5474958"/>
+            <a:ext cx="8229600" cy="5689494"/>
           </a:xfrm>
           <a:prstGeom prst="rect">
             <a:avLst/>
@@ -5854,7 +5854,7 @@
         <p:spPr>
           <a:xfrm>
             <a:off x="365760" y="731520"/>
-            <a:ext cx="8229600" cy="2531348"/>
+            <a:ext cx="8229600" cy="2759496"/>
           </a:xfrm>
           <a:prstGeom prst="rect">
             <a:avLst/>
@@ -5931,7 +5931,7 @@
         <p:spPr>
           <a:xfrm>
             <a:off x="365760" y="731520"/>
-            <a:ext cx="8229600" cy="4785661"/>
+            <a:ext cx="8229600" cy="4894303"/>
           </a:xfrm>
           <a:prstGeom prst="rect">
             <a:avLst/>
@@ -6008,7 +6008,7 @@
         <p:spPr>
           <a:xfrm>
             <a:off x="365760" y="731520"/>
-            <a:ext cx="8229600" cy="3059236"/>
+            <a:ext cx="8229600" cy="3438481"/>
           </a:xfrm>
           <a:prstGeom prst="rect">
             <a:avLst/>
@@ -6085,7 +6085,7 @@
         <p:spPr>
           <a:xfrm>
             <a:off x="365760" y="731520"/>
-            <a:ext cx="8229600" cy="2868979"/>
+            <a:ext cx="8229600" cy="3288246"/>
           </a:xfrm>
           <a:prstGeom prst="rect">
             <a:avLst/>
@@ -6162,7 +6162,7 @@
         <p:spPr>
           <a:xfrm>
             <a:off x="365760" y="731520"/>
-            <a:ext cx="8229600" cy="4787584"/>
+            <a:ext cx="8229600" cy="4901717"/>
           </a:xfrm>
           <a:prstGeom prst="rect">
             <a:avLst/>
@@ -6239,7 +6239,7 @@
         <p:spPr>
           <a:xfrm>
             <a:off x="365760" y="731520"/>
-            <a:ext cx="8229600" cy="1219638"/>
+            <a:ext cx="8229600" cy="3315522"/>
           </a:xfrm>
           <a:prstGeom prst="rect">
             <a:avLst/>
